--- a/Dokumentace/SOČ prezentace.pptx
+++ b/Dokumentace/SOČ prezentace.pptx
@@ -5,11 +5,16 @@
     <p:sldMasterId id="2147483732" r:id="rId1"/>
   </p:sldMasterIdLst>
   <p:notesMasterIdLst>
-    <p:notesMasterId r:id="rId4"/>
+    <p:notesMasterId r:id="rId9"/>
   </p:notesMasterIdLst>
   <p:sldIdLst>
     <p:sldId id="256" r:id="rId2"/>
     <p:sldId id="257" r:id="rId3"/>
+    <p:sldId id="258" r:id="rId4"/>
+    <p:sldId id="259" r:id="rId5"/>
+    <p:sldId id="260" r:id="rId6"/>
+    <p:sldId id="261" r:id="rId7"/>
+    <p:sldId id="262" r:id="rId8"/>
   </p:sldIdLst>
   <p:sldSz cx="9144000" cy="6858000" type="screen4x3"/>
   <p:notesSz cx="6858000" cy="9144000"/>
@@ -193,7 +198,8 @@
           <a:p>
             <a:fld id="{B46FDC96-AACE-4105-A078-52873064FFD3}" type="datetimeFigureOut">
               <a:rPr lang="cs-CZ" smtClean="0"/>
-              <a:t>27.03.2021</a:t>
+              <a:pPr/>
+              <a:t>31.03.2021</a:t>
             </a:fld>
             <a:endParaRPr lang="cs-CZ"/>
           </a:p>
@@ -354,6 +360,7 @@
           <a:p>
             <a:fld id="{9F31F2CE-8BF1-4955-BB39-BE69A4741DD1}" type="slidenum">
               <a:rPr lang="cs-CZ" smtClean="0"/>
+              <a:pPr/>
               <a:t>‹#›</a:t>
             </a:fld>
             <a:endParaRPr lang="cs-CZ"/>
@@ -533,6 +540,7 @@
           <a:p>
             <a:fld id="{9F31F2CE-8BF1-4955-BB39-BE69A4741DD1}" type="slidenum">
               <a:rPr lang="cs-CZ" smtClean="0"/>
+              <a:pPr/>
               <a:t>1</a:t>
             </a:fld>
             <a:endParaRPr lang="cs-CZ"/>
@@ -614,6 +622,7 @@
           <a:p>
             <a:fld id="{9F31F2CE-8BF1-4955-BB39-BE69A4741DD1}" type="slidenum">
               <a:rPr lang="cs-CZ" smtClean="0"/>
+              <a:pPr/>
               <a:t>2</a:t>
             </a:fld>
             <a:endParaRPr lang="cs-CZ"/>
@@ -1132,7 +1141,8 @@
           <a:p>
             <a:fld id="{3182EA2C-DE64-4899-9047-46BACF1514BA}" type="datetimeFigureOut">
               <a:rPr lang="cs-CZ" smtClean="0"/>
-              <a:t>27.03.2021</a:t>
+              <a:pPr/>
+              <a:t>31.03.2021</a:t>
             </a:fld>
             <a:endParaRPr lang="cs-CZ"/>
           </a:p>
@@ -1179,6 +1189,7 @@
           <a:p>
             <a:fld id="{2E3CCD00-FEA1-4319-9AF1-11231C136952}" type="slidenum">
               <a:rPr lang="cs-CZ" smtClean="0"/>
+              <a:pPr/>
               <a:t>‹#›</a:t>
             </a:fld>
             <a:endParaRPr lang="cs-CZ"/>
@@ -1425,7 +1436,8 @@
           <a:p>
             <a:fld id="{3182EA2C-DE64-4899-9047-46BACF1514BA}" type="datetimeFigureOut">
               <a:rPr lang="cs-CZ" smtClean="0"/>
-              <a:t>27.03.2021</a:t>
+              <a:pPr/>
+              <a:t>31.03.2021</a:t>
             </a:fld>
             <a:endParaRPr lang="cs-CZ"/>
           </a:p>
@@ -1467,6 +1479,7 @@
           <a:p>
             <a:fld id="{2E3CCD00-FEA1-4319-9AF1-11231C136952}" type="slidenum">
               <a:rPr lang="cs-CZ" smtClean="0"/>
+              <a:pPr/>
               <a:t>‹#›</a:t>
             </a:fld>
             <a:endParaRPr lang="cs-CZ"/>
@@ -1669,7 +1682,8 @@
           <a:p>
             <a:fld id="{3182EA2C-DE64-4899-9047-46BACF1514BA}" type="datetimeFigureOut">
               <a:rPr lang="cs-CZ" smtClean="0"/>
-              <a:t>27.03.2021</a:t>
+              <a:pPr/>
+              <a:t>31.03.2021</a:t>
             </a:fld>
             <a:endParaRPr lang="cs-CZ"/>
           </a:p>
@@ -1711,6 +1725,7 @@
           <a:p>
             <a:fld id="{2E3CCD00-FEA1-4319-9AF1-11231C136952}" type="slidenum">
               <a:rPr lang="cs-CZ" smtClean="0"/>
+              <a:pPr/>
               <a:t>‹#›</a:t>
             </a:fld>
             <a:endParaRPr lang="cs-CZ"/>
@@ -2205,7 +2220,8 @@
           <a:p>
             <a:fld id="{3182EA2C-DE64-4899-9047-46BACF1514BA}" type="datetimeFigureOut">
               <a:rPr lang="cs-CZ" smtClean="0"/>
-              <a:t>27.03.2021</a:t>
+              <a:pPr/>
+              <a:t>31.03.2021</a:t>
             </a:fld>
             <a:endParaRPr lang="cs-CZ"/>
           </a:p>
@@ -2247,6 +2263,7 @@
           <a:p>
             <a:fld id="{2E3CCD00-FEA1-4319-9AF1-11231C136952}" type="slidenum">
               <a:rPr lang="cs-CZ" smtClean="0"/>
+              <a:pPr/>
               <a:t>‹#›</a:t>
             </a:fld>
             <a:endParaRPr lang="cs-CZ"/>
@@ -2449,7 +2466,8 @@
           <a:p>
             <a:fld id="{3182EA2C-DE64-4899-9047-46BACF1514BA}" type="datetimeFigureOut">
               <a:rPr lang="cs-CZ" smtClean="0"/>
-              <a:t>27.03.2021</a:t>
+              <a:pPr/>
+              <a:t>31.03.2021</a:t>
             </a:fld>
             <a:endParaRPr lang="cs-CZ"/>
           </a:p>
@@ -2491,6 +2509,7 @@
           <a:p>
             <a:fld id="{2E3CCD00-FEA1-4319-9AF1-11231C136952}" type="slidenum">
               <a:rPr lang="cs-CZ" smtClean="0"/>
+              <a:pPr/>
               <a:t>‹#›</a:t>
             </a:fld>
             <a:endParaRPr lang="cs-CZ"/>
@@ -2977,7 +2996,8 @@
           <a:p>
             <a:fld id="{3182EA2C-DE64-4899-9047-46BACF1514BA}" type="datetimeFigureOut">
               <a:rPr lang="cs-CZ" smtClean="0"/>
-              <a:t>27.03.2021</a:t>
+              <a:pPr/>
+              <a:t>31.03.2021</a:t>
             </a:fld>
             <a:endParaRPr lang="cs-CZ"/>
           </a:p>
@@ -3019,6 +3039,7 @@
           <a:p>
             <a:fld id="{2E3CCD00-FEA1-4319-9AF1-11231C136952}" type="slidenum">
               <a:rPr lang="cs-CZ" smtClean="0"/>
+              <a:pPr/>
               <a:t>‹#›</a:t>
             </a:fld>
             <a:endParaRPr lang="cs-CZ"/>
@@ -3269,7 +3290,8 @@
           <a:p>
             <a:fld id="{3182EA2C-DE64-4899-9047-46BACF1514BA}" type="datetimeFigureOut">
               <a:rPr lang="cs-CZ" smtClean="0"/>
-              <a:t>27.03.2021</a:t>
+              <a:pPr/>
+              <a:t>31.03.2021</a:t>
             </a:fld>
             <a:endParaRPr lang="cs-CZ"/>
           </a:p>
@@ -3311,6 +3333,7 @@
           <a:p>
             <a:fld id="{2E3CCD00-FEA1-4319-9AF1-11231C136952}" type="slidenum">
               <a:rPr lang="cs-CZ" smtClean="0"/>
+              <a:pPr/>
               <a:t>‹#›</a:t>
             </a:fld>
             <a:endParaRPr lang="cs-CZ"/>
@@ -3439,7 +3462,8 @@
           <a:p>
             <a:fld id="{3182EA2C-DE64-4899-9047-46BACF1514BA}" type="datetimeFigureOut">
               <a:rPr lang="cs-CZ" smtClean="0"/>
-              <a:t>27.03.2021</a:t>
+              <a:pPr/>
+              <a:t>31.03.2021</a:t>
             </a:fld>
             <a:endParaRPr lang="cs-CZ"/>
           </a:p>
@@ -3481,6 +3505,7 @@
           <a:p>
             <a:fld id="{2E3CCD00-FEA1-4319-9AF1-11231C136952}" type="slidenum">
               <a:rPr lang="cs-CZ" smtClean="0"/>
+              <a:pPr/>
               <a:t>‹#›</a:t>
             </a:fld>
             <a:endParaRPr lang="cs-CZ"/>
@@ -3615,7 +3640,8 @@
           <a:p>
             <a:fld id="{3182EA2C-DE64-4899-9047-46BACF1514BA}" type="datetimeFigureOut">
               <a:rPr lang="cs-CZ" smtClean="0"/>
-              <a:t>27.03.2021</a:t>
+              <a:pPr/>
+              <a:t>31.03.2021</a:t>
             </a:fld>
             <a:endParaRPr lang="cs-CZ"/>
           </a:p>
@@ -3657,6 +3683,7 @@
           <a:p>
             <a:fld id="{2E3CCD00-FEA1-4319-9AF1-11231C136952}" type="slidenum">
               <a:rPr lang="cs-CZ" smtClean="0"/>
+              <a:pPr/>
               <a:t>‹#›</a:t>
             </a:fld>
             <a:endParaRPr lang="cs-CZ"/>
@@ -3781,7 +3808,8 @@
           <a:p>
             <a:fld id="{3182EA2C-DE64-4899-9047-46BACF1514BA}" type="datetimeFigureOut">
               <a:rPr lang="cs-CZ" smtClean="0"/>
-              <a:t>27.03.2021</a:t>
+              <a:pPr/>
+              <a:t>31.03.2021</a:t>
             </a:fld>
             <a:endParaRPr lang="cs-CZ"/>
           </a:p>
@@ -3828,6 +3856,7 @@
           <a:p>
             <a:fld id="{2E3CCD00-FEA1-4319-9AF1-11231C136952}" type="slidenum">
               <a:rPr lang="cs-CZ" smtClean="0"/>
+              <a:pPr/>
               <a:t>‹#›</a:t>
             </a:fld>
             <a:endParaRPr lang="cs-CZ"/>
@@ -4028,7 +4057,8 @@
           <a:p>
             <a:fld id="{3182EA2C-DE64-4899-9047-46BACF1514BA}" type="datetimeFigureOut">
               <a:rPr lang="cs-CZ" smtClean="0"/>
-              <a:t>27.03.2021</a:t>
+              <a:pPr/>
+              <a:t>31.03.2021</a:t>
             </a:fld>
             <a:endParaRPr lang="cs-CZ"/>
           </a:p>
@@ -4070,6 +4100,7 @@
           <a:p>
             <a:fld id="{2E3CCD00-FEA1-4319-9AF1-11231C136952}" type="slidenum">
               <a:rPr lang="cs-CZ" smtClean="0"/>
+              <a:pPr/>
               <a:t>‹#›</a:t>
             </a:fld>
             <a:endParaRPr lang="cs-CZ"/>
@@ -4321,7 +4352,8 @@
           <a:p>
             <a:fld id="{3182EA2C-DE64-4899-9047-46BACF1514BA}" type="datetimeFigureOut">
               <a:rPr lang="cs-CZ" smtClean="0"/>
-              <a:t>27.03.2021</a:t>
+              <a:pPr/>
+              <a:t>31.03.2021</a:t>
             </a:fld>
             <a:endParaRPr lang="cs-CZ"/>
           </a:p>
@@ -4363,6 +4395,7 @@
           <a:p>
             <a:fld id="{2E3CCD00-FEA1-4319-9AF1-11231C136952}" type="slidenum">
               <a:rPr lang="cs-CZ" smtClean="0"/>
+              <a:pPr/>
               <a:t>‹#›</a:t>
             </a:fld>
             <a:endParaRPr lang="cs-CZ"/>
@@ -4759,7 +4792,8 @@
           <a:p>
             <a:fld id="{3182EA2C-DE64-4899-9047-46BACF1514BA}" type="datetimeFigureOut">
               <a:rPr lang="cs-CZ" smtClean="0"/>
-              <a:t>27.03.2021</a:t>
+              <a:pPr/>
+              <a:t>31.03.2021</a:t>
             </a:fld>
             <a:endParaRPr lang="cs-CZ"/>
           </a:p>
@@ -4801,6 +4835,7 @@
           <a:p>
             <a:fld id="{2E3CCD00-FEA1-4319-9AF1-11231C136952}" type="slidenum">
               <a:rPr lang="cs-CZ" smtClean="0"/>
+              <a:pPr/>
               <a:t>‹#›</a:t>
             </a:fld>
             <a:endParaRPr lang="cs-CZ"/>
@@ -4873,7 +4908,8 @@
           <a:p>
             <a:fld id="{3182EA2C-DE64-4899-9047-46BACF1514BA}" type="datetimeFigureOut">
               <a:rPr lang="cs-CZ" smtClean="0"/>
-              <a:t>27.03.2021</a:t>
+              <a:pPr/>
+              <a:t>31.03.2021</a:t>
             </a:fld>
             <a:endParaRPr lang="cs-CZ"/>
           </a:p>
@@ -4915,6 +4951,7 @@
           <a:p>
             <a:fld id="{2E3CCD00-FEA1-4319-9AF1-11231C136952}" type="slidenum">
               <a:rPr lang="cs-CZ" smtClean="0"/>
+              <a:pPr/>
               <a:t>‹#›</a:t>
             </a:fld>
             <a:endParaRPr lang="cs-CZ"/>
@@ -4963,7 +5000,8 @@
           <a:p>
             <a:fld id="{3182EA2C-DE64-4899-9047-46BACF1514BA}" type="datetimeFigureOut">
               <a:rPr lang="cs-CZ" smtClean="0"/>
-              <a:t>27.03.2021</a:t>
+              <a:pPr/>
+              <a:t>31.03.2021</a:t>
             </a:fld>
             <a:endParaRPr lang="cs-CZ"/>
           </a:p>
@@ -5005,6 +5043,7 @@
           <a:p>
             <a:fld id="{2E3CCD00-FEA1-4319-9AF1-11231C136952}" type="slidenum">
               <a:rPr lang="cs-CZ" smtClean="0"/>
+              <a:pPr/>
               <a:t>‹#›</a:t>
             </a:fld>
             <a:endParaRPr lang="cs-CZ"/>
@@ -5242,7 +5281,8 @@
           <a:p>
             <a:fld id="{3182EA2C-DE64-4899-9047-46BACF1514BA}" type="datetimeFigureOut">
               <a:rPr lang="cs-CZ" smtClean="0"/>
-              <a:t>27.03.2021</a:t>
+              <a:pPr/>
+              <a:t>31.03.2021</a:t>
             </a:fld>
             <a:endParaRPr lang="cs-CZ"/>
           </a:p>
@@ -5284,6 +5324,7 @@
           <a:p>
             <a:fld id="{2E3CCD00-FEA1-4319-9AF1-11231C136952}" type="slidenum">
               <a:rPr lang="cs-CZ" smtClean="0"/>
+              <a:pPr/>
               <a:t>‹#›</a:t>
             </a:fld>
             <a:endParaRPr lang="cs-CZ"/>
@@ -5530,7 +5571,8 @@
           <a:p>
             <a:fld id="{3182EA2C-DE64-4899-9047-46BACF1514BA}" type="datetimeFigureOut">
               <a:rPr lang="cs-CZ" smtClean="0"/>
-              <a:t>27.03.2021</a:t>
+              <a:pPr/>
+              <a:t>31.03.2021</a:t>
             </a:fld>
             <a:endParaRPr lang="cs-CZ"/>
           </a:p>
@@ -5572,6 +5614,7 @@
           <a:p>
             <a:fld id="{2E3CCD00-FEA1-4319-9AF1-11231C136952}" type="slidenum">
               <a:rPr lang="cs-CZ" smtClean="0"/>
+              <a:pPr/>
               <a:t>‹#›</a:t>
             </a:fld>
             <a:endParaRPr lang="cs-CZ"/>
@@ -6054,7 +6097,8 @@
           <a:p>
             <a:fld id="{3182EA2C-DE64-4899-9047-46BACF1514BA}" type="datetimeFigureOut">
               <a:rPr lang="cs-CZ" smtClean="0"/>
-              <a:t>27.03.2021</a:t>
+              <a:pPr/>
+              <a:t>31.03.2021</a:t>
             </a:fld>
             <a:endParaRPr lang="cs-CZ"/>
           </a:p>
@@ -6132,6 +6176,7 @@
           <a:p>
             <a:fld id="{2E3CCD00-FEA1-4319-9AF1-11231C136952}" type="slidenum">
               <a:rPr lang="cs-CZ" smtClean="0"/>
+              <a:pPr/>
               <a:t>‹#›</a:t>
             </a:fld>
             <a:endParaRPr lang="cs-CZ"/>
@@ -6918,6 +6963,343 @@
 </p:sld>
 </file>
 
+<file path=ppt/slides/slide3.xml><?xml version="1.0" encoding="utf-8"?>
+<p:sld xmlns:a="http://schemas.openxmlformats.org/drawingml/2006/main" xmlns:r="http://schemas.openxmlformats.org/officeDocument/2006/relationships" xmlns:p="http://schemas.openxmlformats.org/presentationml/2006/main">
+  <p:cSld>
+    <p:spTree>
+      <p:nvGrpSpPr>
+        <p:cNvPr id="1" name=""/>
+        <p:cNvGrpSpPr/>
+        <p:nvPr/>
+      </p:nvGrpSpPr>
+      <p:grpSpPr>
+        <a:xfrm>
+          <a:off x="0" y="0"/>
+          <a:ext cx="0" cy="0"/>
+          <a:chOff x="0" y="0"/>
+          <a:chExt cx="0" cy="0"/>
+        </a:xfrm>
+      </p:grpSpPr>
+      <p:sp>
+        <p:nvSpPr>
+          <p:cNvPr id="2" name="Nadpis 1"/>
+          <p:cNvSpPr>
+            <a:spLocks noGrp="1"/>
+          </p:cNvSpPr>
+          <p:nvPr>
+            <p:ph type="title"/>
+          </p:nvPr>
+        </p:nvSpPr>
+        <p:spPr/>
+        <p:txBody>
+          <a:bodyPr/>
+          <a:lstStyle/>
+          <a:p>
+            <a:r>
+              <a:rPr lang="cs-CZ" dirty="0" smtClean="0"/>
+              <a:t>WxPython</a:t>
+            </a:r>
+            <a:endParaRPr lang="cs-CZ" dirty="0"/>
+          </a:p>
+        </p:txBody>
+      </p:sp>
+      <p:sp>
+        <p:nvSpPr>
+          <p:cNvPr id="3" name="Zástupný symbol pro obsah 2"/>
+          <p:cNvSpPr>
+            <a:spLocks noGrp="1"/>
+          </p:cNvSpPr>
+          <p:nvPr>
+            <p:ph idx="1"/>
+          </p:nvPr>
+        </p:nvSpPr>
+        <p:spPr/>
+        <p:txBody>
+          <a:bodyPr/>
+          <a:lstStyle/>
+          <a:p>
+            <a:endParaRPr lang="cs-CZ"/>
+          </a:p>
+        </p:txBody>
+      </p:sp>
+    </p:spTree>
+  </p:cSld>
+  <p:clrMapOvr>
+    <a:masterClrMapping/>
+  </p:clrMapOvr>
+</p:sld>
+</file>
+
+<file path=ppt/slides/slide4.xml><?xml version="1.0" encoding="utf-8"?>
+<p:sld xmlns:a="http://schemas.openxmlformats.org/drawingml/2006/main" xmlns:r="http://schemas.openxmlformats.org/officeDocument/2006/relationships" xmlns:p="http://schemas.openxmlformats.org/presentationml/2006/main">
+  <p:cSld>
+    <p:spTree>
+      <p:nvGrpSpPr>
+        <p:cNvPr id="1" name=""/>
+        <p:cNvGrpSpPr/>
+        <p:nvPr/>
+      </p:nvGrpSpPr>
+      <p:grpSpPr>
+        <a:xfrm>
+          <a:off x="0" y="0"/>
+          <a:ext cx="0" cy="0"/>
+          <a:chOff x="0" y="0"/>
+          <a:chExt cx="0" cy="0"/>
+        </a:xfrm>
+      </p:grpSpPr>
+      <p:sp>
+        <p:nvSpPr>
+          <p:cNvPr id="2" name="Nadpis 1"/>
+          <p:cNvSpPr>
+            <a:spLocks noGrp="1"/>
+          </p:cNvSpPr>
+          <p:nvPr>
+            <p:ph type="title"/>
+          </p:nvPr>
+        </p:nvSpPr>
+        <p:spPr/>
+        <p:txBody>
+          <a:bodyPr/>
+          <a:lstStyle/>
+          <a:p>
+            <a:r>
+              <a:rPr lang="cs-CZ" dirty="0" smtClean="0"/>
+              <a:t>Jupyter Notebook</a:t>
+            </a:r>
+            <a:endParaRPr lang="cs-CZ" dirty="0"/>
+          </a:p>
+        </p:txBody>
+      </p:sp>
+      <p:sp>
+        <p:nvSpPr>
+          <p:cNvPr id="3" name="Zástupný symbol pro obsah 2"/>
+          <p:cNvSpPr>
+            <a:spLocks noGrp="1"/>
+          </p:cNvSpPr>
+          <p:nvPr>
+            <p:ph idx="1"/>
+          </p:nvPr>
+        </p:nvSpPr>
+        <p:spPr/>
+        <p:txBody>
+          <a:bodyPr/>
+          <a:lstStyle/>
+          <a:p>
+            <a:endParaRPr lang="cs-CZ"/>
+          </a:p>
+        </p:txBody>
+      </p:sp>
+    </p:spTree>
+  </p:cSld>
+  <p:clrMapOvr>
+    <a:masterClrMapping/>
+  </p:clrMapOvr>
+</p:sld>
+</file>
+
+<file path=ppt/slides/slide5.xml><?xml version="1.0" encoding="utf-8"?>
+<p:sld xmlns:a="http://schemas.openxmlformats.org/drawingml/2006/main" xmlns:r="http://schemas.openxmlformats.org/officeDocument/2006/relationships" xmlns:p="http://schemas.openxmlformats.org/presentationml/2006/main">
+  <p:cSld>
+    <p:spTree>
+      <p:nvGrpSpPr>
+        <p:cNvPr id="1" name=""/>
+        <p:cNvGrpSpPr/>
+        <p:nvPr/>
+      </p:nvGrpSpPr>
+      <p:grpSpPr>
+        <a:xfrm>
+          <a:off x="0" y="0"/>
+          <a:ext cx="0" cy="0"/>
+          <a:chOff x="0" y="0"/>
+          <a:chExt cx="0" cy="0"/>
+        </a:xfrm>
+      </p:grpSpPr>
+      <p:sp>
+        <p:nvSpPr>
+          <p:cNvPr id="2" name="Nadpis 1"/>
+          <p:cNvSpPr>
+            <a:spLocks noGrp="1"/>
+          </p:cNvSpPr>
+          <p:nvPr>
+            <p:ph type="title"/>
+          </p:nvPr>
+        </p:nvSpPr>
+        <p:spPr/>
+        <p:txBody>
+          <a:bodyPr/>
+          <a:lstStyle/>
+          <a:p>
+            <a:r>
+              <a:rPr lang="cs-CZ" dirty="0" smtClean="0"/>
+              <a:t>GitHub a NBViewer</a:t>
+            </a:r>
+            <a:endParaRPr lang="cs-CZ" dirty="0"/>
+          </a:p>
+        </p:txBody>
+      </p:sp>
+      <p:sp>
+        <p:nvSpPr>
+          <p:cNvPr id="3" name="Zástupný symbol pro obsah 2"/>
+          <p:cNvSpPr>
+            <a:spLocks noGrp="1"/>
+          </p:cNvSpPr>
+          <p:nvPr>
+            <p:ph idx="1"/>
+          </p:nvPr>
+        </p:nvSpPr>
+        <p:spPr/>
+        <p:txBody>
+          <a:bodyPr/>
+          <a:lstStyle/>
+          <a:p>
+            <a:endParaRPr lang="cs-CZ"/>
+          </a:p>
+        </p:txBody>
+      </p:sp>
+    </p:spTree>
+  </p:cSld>
+  <p:clrMapOvr>
+    <a:masterClrMapping/>
+  </p:clrMapOvr>
+</p:sld>
+</file>
+
+<file path=ppt/slides/slide6.xml><?xml version="1.0" encoding="utf-8"?>
+<p:sld xmlns:a="http://schemas.openxmlformats.org/drawingml/2006/main" xmlns:r="http://schemas.openxmlformats.org/officeDocument/2006/relationships" xmlns:p="http://schemas.openxmlformats.org/presentationml/2006/main">
+  <p:cSld>
+    <p:spTree>
+      <p:nvGrpSpPr>
+        <p:cNvPr id="1" name=""/>
+        <p:cNvGrpSpPr/>
+        <p:nvPr/>
+      </p:nvGrpSpPr>
+      <p:grpSpPr>
+        <a:xfrm>
+          <a:off x="0" y="0"/>
+          <a:ext cx="0" cy="0"/>
+          <a:chOff x="0" y="0"/>
+          <a:chExt cx="0" cy="0"/>
+        </a:xfrm>
+      </p:grpSpPr>
+      <p:sp>
+        <p:nvSpPr>
+          <p:cNvPr id="2" name="Nadpis 1"/>
+          <p:cNvSpPr>
+            <a:spLocks noGrp="1"/>
+          </p:cNvSpPr>
+          <p:nvPr>
+            <p:ph type="title"/>
+          </p:nvPr>
+        </p:nvSpPr>
+        <p:spPr/>
+        <p:txBody>
+          <a:bodyPr/>
+          <a:lstStyle/>
+          <a:p>
+            <a:r>
+              <a:rPr lang="cs-CZ" dirty="0" smtClean="0"/>
+              <a:t>WxGlade</a:t>
+            </a:r>
+            <a:endParaRPr lang="cs-CZ" dirty="0"/>
+          </a:p>
+        </p:txBody>
+      </p:sp>
+      <p:sp>
+        <p:nvSpPr>
+          <p:cNvPr id="3" name="Zástupný symbol pro obsah 2"/>
+          <p:cNvSpPr>
+            <a:spLocks noGrp="1"/>
+          </p:cNvSpPr>
+          <p:nvPr>
+            <p:ph idx="1"/>
+          </p:nvPr>
+        </p:nvSpPr>
+        <p:spPr/>
+        <p:txBody>
+          <a:bodyPr/>
+          <a:lstStyle/>
+          <a:p>
+            <a:endParaRPr lang="cs-CZ"/>
+          </a:p>
+        </p:txBody>
+      </p:sp>
+    </p:spTree>
+  </p:cSld>
+  <p:clrMapOvr>
+    <a:masterClrMapping/>
+  </p:clrMapOvr>
+</p:sld>
+</file>
+
+<file path=ppt/slides/slide7.xml><?xml version="1.0" encoding="utf-8"?>
+<p:sld xmlns:a="http://schemas.openxmlformats.org/drawingml/2006/main" xmlns:r="http://schemas.openxmlformats.org/officeDocument/2006/relationships" xmlns:p="http://schemas.openxmlformats.org/presentationml/2006/main">
+  <p:cSld>
+    <p:spTree>
+      <p:nvGrpSpPr>
+        <p:cNvPr id="1" name=""/>
+        <p:cNvGrpSpPr/>
+        <p:nvPr/>
+      </p:nvGrpSpPr>
+      <p:grpSpPr>
+        <a:xfrm>
+          <a:off x="0" y="0"/>
+          <a:ext cx="0" cy="0"/>
+          <a:chOff x="0" y="0"/>
+          <a:chExt cx="0" cy="0"/>
+        </a:xfrm>
+      </p:grpSpPr>
+      <p:sp>
+        <p:nvSpPr>
+          <p:cNvPr id="2" name="Nadpis 1"/>
+          <p:cNvSpPr>
+            <a:spLocks noGrp="1"/>
+          </p:cNvSpPr>
+          <p:nvPr>
+            <p:ph type="title"/>
+          </p:nvPr>
+        </p:nvSpPr>
+        <p:spPr/>
+        <p:txBody>
+          <a:bodyPr>
+            <a:normAutofit/>
+          </a:bodyPr>
+          <a:lstStyle/>
+          <a:p>
+            <a:r>
+              <a:rPr lang="cs-CZ" sz="6600" dirty="0" smtClean="0"/>
+              <a:t>Děkuji za pozornost</a:t>
+            </a:r>
+            <a:endParaRPr lang="cs-CZ" sz="6600" dirty="0"/>
+          </a:p>
+        </p:txBody>
+      </p:sp>
+      <p:sp>
+        <p:nvSpPr>
+          <p:cNvPr id="3" name="Zástupný symbol pro text 2"/>
+          <p:cNvSpPr>
+            <a:spLocks noGrp="1"/>
+          </p:cNvSpPr>
+          <p:nvPr>
+            <p:ph type="body" idx="1"/>
+          </p:nvPr>
+        </p:nvSpPr>
+        <p:spPr/>
+        <p:txBody>
+          <a:bodyPr/>
+          <a:lstStyle/>
+          <a:p>
+            <a:endParaRPr lang="cs-CZ"/>
+          </a:p>
+        </p:txBody>
+      </p:sp>
+    </p:spTree>
+  </p:cSld>
+  <p:clrMapOvr>
+    <a:masterClrMapping/>
+  </p:clrMapOvr>
+</p:sld>
+</file>
+
 <file path=ppt/theme/theme1.xml><?xml version="1.0" encoding="utf-8"?>
 <a:theme xmlns:a="http://schemas.openxmlformats.org/drawingml/2006/main" name="Paralaxa">
   <a:themeElements>
@@ -7168,7 +7550,7 @@
   <a:extraClrSchemeLst/>
   <a:extLst>
     <a:ext uri="{05A4C25C-085E-4340-85A3-A5531E510DB2}">
-      <thm15:themeFamily xmlns:thm15="http://schemas.microsoft.com/office/thememl/2012/main" xmlns="" name="Office_36804475_TF22644756.potx" id="{F397E5FB-1475-4A2B-A118-C3E33793FB85}" vid="{9CC913D8-D7AD-4BF9-92C5-3F646CD0259E}"/>
+      <thm15:themeFamily xmlns="" xmlns:thm15="http://schemas.microsoft.com/office/thememl/2012/main" name="Office_36804475_TF22644756.potx" id="{F397E5FB-1475-4A2B-A118-C3E33793FB85}" vid="{9CC913D8-D7AD-4BF9-92C5-3F646CD0259E}"/>
     </a:ext>
   </a:extLst>
 </a:theme>

--- a/Dokumentace/SOČ prezentace.pptx
+++ b/Dokumentace/SOČ prezentace.pptx
@@ -199,7 +199,7 @@
             <a:fld id="{B46FDC96-AACE-4105-A078-52873064FFD3}" type="datetimeFigureOut">
               <a:rPr lang="cs-CZ" smtClean="0"/>
               <a:pPr/>
-              <a:t>31.03.2021</a:t>
+              <a:t>06.04.2021</a:t>
             </a:fld>
             <a:endParaRPr lang="cs-CZ"/>
           </a:p>
@@ -1142,7 +1142,7 @@
             <a:fld id="{3182EA2C-DE64-4899-9047-46BACF1514BA}" type="datetimeFigureOut">
               <a:rPr lang="cs-CZ" smtClean="0"/>
               <a:pPr/>
-              <a:t>31.03.2021</a:t>
+              <a:t>06.04.2021</a:t>
             </a:fld>
             <a:endParaRPr lang="cs-CZ"/>
           </a:p>
@@ -1437,7 +1437,7 @@
             <a:fld id="{3182EA2C-DE64-4899-9047-46BACF1514BA}" type="datetimeFigureOut">
               <a:rPr lang="cs-CZ" smtClean="0"/>
               <a:pPr/>
-              <a:t>31.03.2021</a:t>
+              <a:t>06.04.2021</a:t>
             </a:fld>
             <a:endParaRPr lang="cs-CZ"/>
           </a:p>
@@ -1683,7 +1683,7 @@
             <a:fld id="{3182EA2C-DE64-4899-9047-46BACF1514BA}" type="datetimeFigureOut">
               <a:rPr lang="cs-CZ" smtClean="0"/>
               <a:pPr/>
-              <a:t>31.03.2021</a:t>
+              <a:t>06.04.2021</a:t>
             </a:fld>
             <a:endParaRPr lang="cs-CZ"/>
           </a:p>
@@ -2221,7 +2221,7 @@
             <a:fld id="{3182EA2C-DE64-4899-9047-46BACF1514BA}" type="datetimeFigureOut">
               <a:rPr lang="cs-CZ" smtClean="0"/>
               <a:pPr/>
-              <a:t>31.03.2021</a:t>
+              <a:t>06.04.2021</a:t>
             </a:fld>
             <a:endParaRPr lang="cs-CZ"/>
           </a:p>
@@ -2467,7 +2467,7 @@
             <a:fld id="{3182EA2C-DE64-4899-9047-46BACF1514BA}" type="datetimeFigureOut">
               <a:rPr lang="cs-CZ" smtClean="0"/>
               <a:pPr/>
-              <a:t>31.03.2021</a:t>
+              <a:t>06.04.2021</a:t>
             </a:fld>
             <a:endParaRPr lang="cs-CZ"/>
           </a:p>
@@ -2997,7 +2997,7 @@
             <a:fld id="{3182EA2C-DE64-4899-9047-46BACF1514BA}" type="datetimeFigureOut">
               <a:rPr lang="cs-CZ" smtClean="0"/>
               <a:pPr/>
-              <a:t>31.03.2021</a:t>
+              <a:t>06.04.2021</a:t>
             </a:fld>
             <a:endParaRPr lang="cs-CZ"/>
           </a:p>
@@ -3291,7 +3291,7 @@
             <a:fld id="{3182EA2C-DE64-4899-9047-46BACF1514BA}" type="datetimeFigureOut">
               <a:rPr lang="cs-CZ" smtClean="0"/>
               <a:pPr/>
-              <a:t>31.03.2021</a:t>
+              <a:t>06.04.2021</a:t>
             </a:fld>
             <a:endParaRPr lang="cs-CZ"/>
           </a:p>
@@ -3463,7 +3463,7 @@
             <a:fld id="{3182EA2C-DE64-4899-9047-46BACF1514BA}" type="datetimeFigureOut">
               <a:rPr lang="cs-CZ" smtClean="0"/>
               <a:pPr/>
-              <a:t>31.03.2021</a:t>
+              <a:t>06.04.2021</a:t>
             </a:fld>
             <a:endParaRPr lang="cs-CZ"/>
           </a:p>
@@ -3641,7 +3641,7 @@
             <a:fld id="{3182EA2C-DE64-4899-9047-46BACF1514BA}" type="datetimeFigureOut">
               <a:rPr lang="cs-CZ" smtClean="0"/>
               <a:pPr/>
-              <a:t>31.03.2021</a:t>
+              <a:t>06.04.2021</a:t>
             </a:fld>
             <a:endParaRPr lang="cs-CZ"/>
           </a:p>
@@ -3809,7 +3809,7 @@
             <a:fld id="{3182EA2C-DE64-4899-9047-46BACF1514BA}" type="datetimeFigureOut">
               <a:rPr lang="cs-CZ" smtClean="0"/>
               <a:pPr/>
-              <a:t>31.03.2021</a:t>
+              <a:t>06.04.2021</a:t>
             </a:fld>
             <a:endParaRPr lang="cs-CZ"/>
           </a:p>
@@ -4058,7 +4058,7 @@
             <a:fld id="{3182EA2C-DE64-4899-9047-46BACF1514BA}" type="datetimeFigureOut">
               <a:rPr lang="cs-CZ" smtClean="0"/>
               <a:pPr/>
-              <a:t>31.03.2021</a:t>
+              <a:t>06.04.2021</a:t>
             </a:fld>
             <a:endParaRPr lang="cs-CZ"/>
           </a:p>
@@ -4353,7 +4353,7 @@
             <a:fld id="{3182EA2C-DE64-4899-9047-46BACF1514BA}" type="datetimeFigureOut">
               <a:rPr lang="cs-CZ" smtClean="0"/>
               <a:pPr/>
-              <a:t>31.03.2021</a:t>
+              <a:t>06.04.2021</a:t>
             </a:fld>
             <a:endParaRPr lang="cs-CZ"/>
           </a:p>
@@ -4793,7 +4793,7 @@
             <a:fld id="{3182EA2C-DE64-4899-9047-46BACF1514BA}" type="datetimeFigureOut">
               <a:rPr lang="cs-CZ" smtClean="0"/>
               <a:pPr/>
-              <a:t>31.03.2021</a:t>
+              <a:t>06.04.2021</a:t>
             </a:fld>
             <a:endParaRPr lang="cs-CZ"/>
           </a:p>
@@ -4909,7 +4909,7 @@
             <a:fld id="{3182EA2C-DE64-4899-9047-46BACF1514BA}" type="datetimeFigureOut">
               <a:rPr lang="cs-CZ" smtClean="0"/>
               <a:pPr/>
-              <a:t>31.03.2021</a:t>
+              <a:t>06.04.2021</a:t>
             </a:fld>
             <a:endParaRPr lang="cs-CZ"/>
           </a:p>
@@ -5001,7 +5001,7 @@
             <a:fld id="{3182EA2C-DE64-4899-9047-46BACF1514BA}" type="datetimeFigureOut">
               <a:rPr lang="cs-CZ" smtClean="0"/>
               <a:pPr/>
-              <a:t>31.03.2021</a:t>
+              <a:t>06.04.2021</a:t>
             </a:fld>
             <a:endParaRPr lang="cs-CZ"/>
           </a:p>
@@ -5282,7 +5282,7 @@
             <a:fld id="{3182EA2C-DE64-4899-9047-46BACF1514BA}" type="datetimeFigureOut">
               <a:rPr lang="cs-CZ" smtClean="0"/>
               <a:pPr/>
-              <a:t>31.03.2021</a:t>
+              <a:t>06.04.2021</a:t>
             </a:fld>
             <a:endParaRPr lang="cs-CZ"/>
           </a:p>
@@ -5572,7 +5572,7 @@
             <a:fld id="{3182EA2C-DE64-4899-9047-46BACF1514BA}" type="datetimeFigureOut">
               <a:rPr lang="cs-CZ" smtClean="0"/>
               <a:pPr/>
-              <a:t>31.03.2021</a:t>
+              <a:t>06.04.2021</a:t>
             </a:fld>
             <a:endParaRPr lang="cs-CZ"/>
           </a:p>
@@ -6098,7 +6098,7 @@
             <a:fld id="{3182EA2C-DE64-4899-9047-46BACF1514BA}" type="datetimeFigureOut">
               <a:rPr lang="cs-CZ" smtClean="0"/>
               <a:pPr/>
-              <a:t>31.03.2021</a:t>
+              <a:t>06.04.2021</a:t>
             </a:fld>
             <a:endParaRPr lang="cs-CZ"/>
           </a:p>
@@ -6858,7 +6858,7 @@
         </p:blipFill>
         <p:spPr bwMode="auto">
           <a:xfrm>
-            <a:off x="1071538" y="1857364"/>
+            <a:off x="1071538" y="1714488"/>
             <a:ext cx="7513637" cy="3116255"/>
           </a:xfrm>
           <a:prstGeom prst="rect">
@@ -6884,7 +6884,7 @@
         </p:nvSpPr>
         <p:spPr>
           <a:xfrm>
-            <a:off x="1071538" y="5214951"/>
+            <a:off x="1071538" y="5072074"/>
             <a:ext cx="7500990" cy="1200329"/>
           </a:xfrm>
           <a:prstGeom prst="rect">
@@ -6990,38 +6990,202 @@
             <p:ph type="title"/>
           </p:nvPr>
         </p:nvSpPr>
-        <p:spPr/>
-        <p:txBody>
-          <a:bodyPr/>
+        <p:spPr>
+          <a:xfrm>
+            <a:off x="928662" y="357166"/>
+            <a:ext cx="4714908" cy="1143008"/>
+          </a:xfrm>
+        </p:spPr>
+        <p:txBody>
+          <a:bodyPr>
+            <a:normAutofit/>
+          </a:bodyPr>
           <a:lstStyle/>
           <a:p>
             <a:r>
               <a:rPr lang="cs-CZ" dirty="0" smtClean="0"/>
-              <a:t>WxPython</a:t>
+              <a:t>Knihovna WxPython</a:t>
             </a:r>
             <a:endParaRPr lang="cs-CZ" dirty="0"/>
           </a:p>
         </p:txBody>
       </p:sp>
-      <p:sp>
-        <p:nvSpPr>
-          <p:cNvPr id="3" name="Zástupný symbol pro obsah 2"/>
-          <p:cNvSpPr>
-            <a:spLocks noGrp="1"/>
-          </p:cNvSpPr>
+      <p:pic>
+        <p:nvPicPr>
+          <p:cNvPr id="6" name="Zástupný symbol pro obsah 5" descr="WxPython-logo.png"/>
+          <p:cNvPicPr>
+            <a:picLocks noGrp="1" noChangeAspect="1"/>
+          </p:cNvPicPr>
           <p:nvPr>
             <p:ph idx="1"/>
           </p:nvPr>
-        </p:nvSpPr>
-        <p:spPr/>
-        <p:txBody>
-          <a:bodyPr/>
-          <a:lstStyle/>
-          <a:p>
-            <a:endParaRPr lang="cs-CZ"/>
-          </a:p>
-        </p:txBody>
-      </p:sp>
+        </p:nvPicPr>
+        <p:blipFill>
+          <a:blip r:embed="rId2"/>
+          <a:stretch>
+            <a:fillRect/>
+          </a:stretch>
+        </p:blipFill>
+        <p:spPr>
+          <a:xfrm>
+            <a:off x="5857884" y="285728"/>
+            <a:ext cx="2654005" cy="1659959"/>
+          </a:xfrm>
+          <a:prstGeom prst="rect">
+            <a:avLst/>
+          </a:prstGeom>
+          <a:ln>
+            <a:noFill/>
+          </a:ln>
+          <a:effectLst>
+            <a:outerShdw blurRad="190500" algn="tl" rotWithShape="0">
+              <a:srgbClr val="000000">
+                <a:alpha val="70000"/>
+              </a:srgbClr>
+            </a:outerShdw>
+          </a:effectLst>
+        </p:spPr>
+      </p:pic>
+      <p:pic>
+        <p:nvPicPr>
+          <p:cNvPr id="1026" name="Picture 2"/>
+          <p:cNvPicPr>
+            <a:picLocks noChangeAspect="1" noChangeArrowheads="1"/>
+          </p:cNvPicPr>
+          <p:nvPr/>
+        </p:nvPicPr>
+        <p:blipFill>
+          <a:blip r:embed="rId3"/>
+          <a:srcRect/>
+          <a:stretch>
+            <a:fillRect/>
+          </a:stretch>
+        </p:blipFill>
+        <p:spPr bwMode="auto">
+          <a:xfrm>
+            <a:off x="357158" y="1857364"/>
+            <a:ext cx="4571746" cy="3500462"/>
+          </a:xfrm>
+          <a:prstGeom prst="rect">
+            <a:avLst/>
+          </a:prstGeom>
+          <a:ln>
+            <a:noFill/>
+          </a:ln>
+          <a:effectLst>
+            <a:outerShdw blurRad="190500" algn="tl" rotWithShape="0">
+              <a:srgbClr val="000000">
+                <a:alpha val="70000"/>
+              </a:srgbClr>
+            </a:outerShdw>
+          </a:effectLst>
+        </p:spPr>
+      </p:pic>
+      <p:pic>
+        <p:nvPicPr>
+          <p:cNvPr id="1027" name="Picture 3"/>
+          <p:cNvPicPr>
+            <a:picLocks noChangeAspect="1" noChangeArrowheads="1"/>
+          </p:cNvPicPr>
+          <p:nvPr/>
+        </p:nvPicPr>
+        <p:blipFill>
+          <a:blip r:embed="rId4"/>
+          <a:srcRect/>
+          <a:stretch>
+            <a:fillRect/>
+          </a:stretch>
+        </p:blipFill>
+        <p:spPr bwMode="auto">
+          <a:xfrm>
+            <a:off x="5000628" y="2143116"/>
+            <a:ext cx="3929058" cy="2713977"/>
+          </a:xfrm>
+          <a:prstGeom prst="rect">
+            <a:avLst/>
+          </a:prstGeom>
+          <a:ln>
+            <a:noFill/>
+          </a:ln>
+          <a:effectLst>
+            <a:outerShdw blurRad="190500" algn="tl" rotWithShape="0">
+              <a:srgbClr val="000000">
+                <a:alpha val="70000"/>
+              </a:srgbClr>
+            </a:outerShdw>
+          </a:effectLst>
+        </p:spPr>
+      </p:pic>
+      <p:pic>
+        <p:nvPicPr>
+          <p:cNvPr id="1028" name="Picture 4"/>
+          <p:cNvPicPr>
+            <a:picLocks noChangeAspect="1" noChangeArrowheads="1"/>
+          </p:cNvPicPr>
+          <p:nvPr/>
+        </p:nvPicPr>
+        <p:blipFill>
+          <a:blip r:embed="rId5"/>
+          <a:srcRect/>
+          <a:stretch>
+            <a:fillRect/>
+          </a:stretch>
+        </p:blipFill>
+        <p:spPr bwMode="auto">
+          <a:xfrm>
+            <a:off x="7072330" y="5286388"/>
+            <a:ext cx="1857388" cy="1169289"/>
+          </a:xfrm>
+          <a:prstGeom prst="rect">
+            <a:avLst/>
+          </a:prstGeom>
+          <a:ln>
+            <a:noFill/>
+          </a:ln>
+          <a:effectLst>
+            <a:outerShdw blurRad="190500" algn="tl" rotWithShape="0">
+              <a:srgbClr val="000000">
+                <a:alpha val="70000"/>
+              </a:srgbClr>
+            </a:outerShdw>
+          </a:effectLst>
+        </p:spPr>
+      </p:pic>
+      <p:pic>
+        <p:nvPicPr>
+          <p:cNvPr id="1029" name="Picture 5"/>
+          <p:cNvPicPr>
+            <a:picLocks noChangeAspect="1" noChangeArrowheads="1"/>
+          </p:cNvPicPr>
+          <p:nvPr/>
+        </p:nvPicPr>
+        <p:blipFill>
+          <a:blip r:embed="rId6"/>
+          <a:srcRect/>
+          <a:stretch>
+            <a:fillRect/>
+          </a:stretch>
+        </p:blipFill>
+        <p:spPr bwMode="auto">
+          <a:xfrm>
+            <a:off x="5143504" y="5286388"/>
+            <a:ext cx="1857388" cy="1169288"/>
+          </a:xfrm>
+          <a:prstGeom prst="rect">
+            <a:avLst/>
+          </a:prstGeom>
+          <a:ln>
+            <a:noFill/>
+          </a:ln>
+          <a:effectLst>
+            <a:outerShdw blurRad="190500" algn="tl" rotWithShape="0">
+              <a:srgbClr val="000000">
+                <a:alpha val="70000"/>
+              </a:srgbClr>
+            </a:outerShdw>
+          </a:effectLst>
+        </p:spPr>
+      </p:pic>
     </p:spTree>
   </p:cSld>
   <p:clrMapOvr>
@@ -7057,7 +7221,12 @@
             <p:ph type="title"/>
           </p:nvPr>
         </p:nvSpPr>
-        <p:spPr/>
+        <p:spPr>
+          <a:xfrm>
+            <a:off x="-785850" y="285728"/>
+            <a:ext cx="7514035" cy="1752599"/>
+          </a:xfrm>
+        </p:spPr>
         <p:txBody>
           <a:bodyPr/>
           <a:lstStyle/>
@@ -7070,25 +7239,62 @@
           </a:p>
         </p:txBody>
       </p:sp>
-      <p:sp>
-        <p:nvSpPr>
-          <p:cNvPr id="3" name="Zástupný symbol pro obsah 2"/>
-          <p:cNvSpPr>
-            <a:spLocks noGrp="1"/>
-          </p:cNvSpPr>
+      <p:pic>
+        <p:nvPicPr>
+          <p:cNvPr id="4" name="Zástupný symbol pro obsah 3" descr="jupyter.png"/>
+          <p:cNvPicPr>
+            <a:picLocks noGrp="1" noChangeAspect="1"/>
+          </p:cNvPicPr>
           <p:nvPr>
             <p:ph idx="1"/>
           </p:nvPr>
-        </p:nvSpPr>
-        <p:spPr/>
-        <p:txBody>
-          <a:bodyPr/>
-          <a:lstStyle/>
-          <a:p>
-            <a:endParaRPr lang="cs-CZ"/>
-          </a:p>
-        </p:txBody>
-      </p:sp>
+        </p:nvPicPr>
+        <p:blipFill>
+          <a:blip r:embed="rId2" cstate="print"/>
+          <a:stretch>
+            <a:fillRect/>
+          </a:stretch>
+        </p:blipFill>
+        <p:spPr>
+          <a:xfrm>
+            <a:off x="7358082" y="428604"/>
+            <a:ext cx="1000132" cy="1159320"/>
+          </a:xfrm>
+        </p:spPr>
+      </p:pic>
+      <p:pic>
+        <p:nvPicPr>
+          <p:cNvPr id="2054" name="Picture 6"/>
+          <p:cNvPicPr>
+            <a:picLocks noChangeAspect="1" noChangeArrowheads="1"/>
+          </p:cNvPicPr>
+          <p:nvPr/>
+        </p:nvPicPr>
+        <p:blipFill>
+          <a:blip r:embed="rId3"/>
+          <a:srcRect/>
+          <a:stretch>
+            <a:fillRect/>
+          </a:stretch>
+        </p:blipFill>
+        <p:spPr bwMode="auto">
+          <a:xfrm>
+            <a:off x="857224" y="2143116"/>
+            <a:ext cx="7358114" cy="4034089"/>
+          </a:xfrm>
+          <a:prstGeom prst="rect">
+            <a:avLst/>
+          </a:prstGeom>
+          <a:noFill/>
+          <a:ln w="9525">
+            <a:noFill/>
+            <a:miter lim="800000"/>
+            <a:headEnd/>
+            <a:tailEnd/>
+          </a:ln>
+          <a:effectLst/>
+        </p:spPr>
+      </p:pic>
     </p:spTree>
   </p:cSld>
   <p:clrMapOvr>
@@ -7124,7 +7330,12 @@
             <p:ph type="title"/>
           </p:nvPr>
         </p:nvSpPr>
-        <p:spPr/>
+        <p:spPr>
+          <a:xfrm>
+            <a:off x="-571536" y="0"/>
+            <a:ext cx="7514035" cy="1752599"/>
+          </a:xfrm>
+        </p:spPr>
         <p:txBody>
           <a:bodyPr/>
           <a:lstStyle/>
@@ -7137,25 +7348,123 @@
           </a:p>
         </p:txBody>
       </p:sp>
-      <p:sp>
-        <p:nvSpPr>
-          <p:cNvPr id="3" name="Zástupný symbol pro obsah 2"/>
-          <p:cNvSpPr>
-            <a:spLocks noGrp="1"/>
-          </p:cNvSpPr>
+      <p:pic>
+        <p:nvPicPr>
+          <p:cNvPr id="4" name="Zástupný symbol pro obsah 3" descr="github.png"/>
+          <p:cNvPicPr>
+            <a:picLocks noGrp="1" noChangeAspect="1"/>
+          </p:cNvPicPr>
           <p:nvPr>
             <p:ph idx="1"/>
           </p:nvPr>
-        </p:nvSpPr>
-        <p:spPr/>
-        <p:txBody>
-          <a:bodyPr/>
-          <a:lstStyle/>
-          <a:p>
-            <a:endParaRPr lang="cs-CZ"/>
-          </a:p>
-        </p:txBody>
-      </p:sp>
+        </p:nvPicPr>
+        <p:blipFill>
+          <a:blip r:embed="rId2" cstate="print"/>
+          <a:stretch>
+            <a:fillRect/>
+          </a:stretch>
+        </p:blipFill>
+        <p:spPr>
+          <a:xfrm>
+            <a:off x="5214942" y="214290"/>
+            <a:ext cx="1550196" cy="1550196"/>
+          </a:xfrm>
+        </p:spPr>
+      </p:pic>
+      <p:pic>
+        <p:nvPicPr>
+          <p:cNvPr id="5" name="Obrázek 4" descr="nbviewer.png"/>
+          <p:cNvPicPr>
+            <a:picLocks noChangeAspect="1"/>
+          </p:cNvPicPr>
+          <p:nvPr/>
+        </p:nvPicPr>
+        <p:blipFill>
+          <a:blip r:embed="rId3" cstate="print"/>
+          <a:stretch>
+            <a:fillRect/>
+          </a:stretch>
+        </p:blipFill>
+        <p:spPr>
+          <a:xfrm>
+            <a:off x="6786578" y="0"/>
+            <a:ext cx="2214578" cy="2214578"/>
+          </a:xfrm>
+          <a:prstGeom prst="rect">
+            <a:avLst/>
+          </a:prstGeom>
+        </p:spPr>
+      </p:pic>
+      <p:pic>
+        <p:nvPicPr>
+          <p:cNvPr id="3074" name="Picture 2"/>
+          <p:cNvPicPr>
+            <a:picLocks noChangeAspect="1" noChangeArrowheads="1"/>
+          </p:cNvPicPr>
+          <p:nvPr/>
+        </p:nvPicPr>
+        <p:blipFill>
+          <a:blip r:embed="rId4"/>
+          <a:srcRect/>
+          <a:stretch>
+            <a:fillRect/>
+          </a:stretch>
+        </p:blipFill>
+        <p:spPr bwMode="auto">
+          <a:xfrm>
+            <a:off x="357158" y="1857364"/>
+            <a:ext cx="4028654" cy="4572032"/>
+          </a:xfrm>
+          <a:prstGeom prst="rect">
+            <a:avLst/>
+          </a:prstGeom>
+          <a:ln>
+            <a:noFill/>
+          </a:ln>
+          <a:effectLst>
+            <a:outerShdw blurRad="190500" algn="tl" rotWithShape="0">
+              <a:srgbClr val="000000">
+                <a:alpha val="70000"/>
+              </a:srgbClr>
+            </a:outerShdw>
+          </a:effectLst>
+        </p:spPr>
+      </p:pic>
+      <p:pic>
+        <p:nvPicPr>
+          <p:cNvPr id="3075" name="Picture 3"/>
+          <p:cNvPicPr>
+            <a:picLocks noChangeAspect="1" noChangeArrowheads="1"/>
+          </p:cNvPicPr>
+          <p:nvPr/>
+        </p:nvPicPr>
+        <p:blipFill>
+          <a:blip r:embed="rId5"/>
+          <a:srcRect/>
+          <a:stretch>
+            <a:fillRect/>
+          </a:stretch>
+        </p:blipFill>
+        <p:spPr bwMode="auto">
+          <a:xfrm>
+            <a:off x="4572000" y="1857364"/>
+            <a:ext cx="4343653" cy="2571768"/>
+          </a:xfrm>
+          <a:prstGeom prst="rect">
+            <a:avLst/>
+          </a:prstGeom>
+          <a:ln>
+            <a:noFill/>
+          </a:ln>
+          <a:effectLst>
+            <a:outerShdw blurRad="190500" algn="tl" rotWithShape="0">
+              <a:srgbClr val="000000">
+                <a:alpha val="70000"/>
+              </a:srgbClr>
+            </a:outerShdw>
+          </a:effectLst>
+        </p:spPr>
+      </p:pic>
     </p:spTree>
   </p:cSld>
   <p:clrMapOvr>
@@ -7191,7 +7500,12 @@
             <p:ph type="title"/>
           </p:nvPr>
         </p:nvSpPr>
-        <p:spPr/>
+        <p:spPr>
+          <a:xfrm>
+            <a:off x="-1643106" y="214290"/>
+            <a:ext cx="7514035" cy="1752599"/>
+          </a:xfrm>
+        </p:spPr>
         <p:txBody>
           <a:bodyPr/>
           <a:lstStyle/>
@@ -7204,25 +7518,63 @@
           </a:p>
         </p:txBody>
       </p:sp>
-      <p:sp>
-        <p:nvSpPr>
-          <p:cNvPr id="3" name="Zástupný symbol pro obsah 2"/>
-          <p:cNvSpPr>
-            <a:spLocks noGrp="1"/>
-          </p:cNvSpPr>
+      <p:pic>
+        <p:nvPicPr>
+          <p:cNvPr id="4" name="Zástupný symbol pro obsah 3" descr="wxGlade.png"/>
+          <p:cNvPicPr>
+            <a:picLocks noGrp="1" noChangeAspect="1"/>
+          </p:cNvPicPr>
           <p:nvPr>
             <p:ph idx="1"/>
           </p:nvPr>
-        </p:nvSpPr>
-        <p:spPr/>
-        <p:txBody>
-          <a:bodyPr/>
-          <a:lstStyle/>
-          <a:p>
-            <a:endParaRPr lang="cs-CZ"/>
-          </a:p>
-        </p:txBody>
-      </p:sp>
+        </p:nvPicPr>
+        <p:blipFill>
+          <a:blip r:embed="rId2"/>
+          <a:stretch>
+            <a:fillRect/>
+          </a:stretch>
+        </p:blipFill>
+        <p:spPr>
+          <a:xfrm>
+            <a:off x="4643438" y="285728"/>
+            <a:ext cx="4212446" cy="1036657"/>
+          </a:xfrm>
+        </p:spPr>
+      </p:pic>
+      <p:pic>
+        <p:nvPicPr>
+          <p:cNvPr id="5" name="Obrázek 4" descr="glademain.png"/>
+          <p:cNvPicPr>
+            <a:picLocks noChangeAspect="1"/>
+          </p:cNvPicPr>
+          <p:nvPr/>
+        </p:nvPicPr>
+        <p:blipFill>
+          <a:blip r:embed="rId3"/>
+          <a:stretch>
+            <a:fillRect/>
+          </a:stretch>
+        </p:blipFill>
+        <p:spPr>
+          <a:xfrm>
+            <a:off x="1857356" y="1571612"/>
+            <a:ext cx="5594735" cy="5126237"/>
+          </a:xfrm>
+          <a:prstGeom prst="rect">
+            <a:avLst/>
+          </a:prstGeom>
+          <a:ln>
+            <a:noFill/>
+          </a:ln>
+          <a:effectLst>
+            <a:outerShdw blurRad="190500" algn="tl" rotWithShape="0">
+              <a:srgbClr val="000000">
+                <a:alpha val="70000"/>
+              </a:srgbClr>
+            </a:outerShdw>
+          </a:effectLst>
+        </p:spPr>
+      </p:pic>
     </p:spTree>
   </p:cSld>
   <p:clrMapOvr>
@@ -7273,25 +7625,40 @@
           </a:p>
         </p:txBody>
       </p:sp>
-      <p:sp>
-        <p:nvSpPr>
-          <p:cNvPr id="3" name="Zástupný symbol pro text 2"/>
-          <p:cNvSpPr>
-            <a:spLocks noGrp="1"/>
-          </p:cNvSpPr>
-          <p:nvPr>
-            <p:ph type="body" idx="1"/>
-          </p:nvPr>
-        </p:nvSpPr>
-        <p:spPr/>
-        <p:txBody>
-          <a:bodyPr/>
-          <a:lstStyle/>
-          <a:p>
-            <a:endParaRPr lang="cs-CZ"/>
-          </a:p>
-        </p:txBody>
-      </p:sp>
+      <p:pic>
+        <p:nvPicPr>
+          <p:cNvPr id="4" name="Obrázek 3" descr="wxtutorial_logo.png"/>
+          <p:cNvPicPr>
+            <a:picLocks noChangeAspect="1"/>
+          </p:cNvPicPr>
+          <p:nvPr/>
+        </p:nvPicPr>
+        <p:blipFill>
+          <a:blip r:embed="rId2" cstate="print"/>
+          <a:stretch>
+            <a:fillRect/>
+          </a:stretch>
+        </p:blipFill>
+        <p:spPr>
+          <a:xfrm>
+            <a:off x="1142976" y="3643314"/>
+            <a:ext cx="7403857" cy="2614835"/>
+          </a:xfrm>
+          <a:prstGeom prst="rect">
+            <a:avLst/>
+          </a:prstGeom>
+          <a:ln>
+            <a:noFill/>
+          </a:ln>
+          <a:effectLst>
+            <a:outerShdw blurRad="190500" algn="tl" rotWithShape="0">
+              <a:srgbClr val="000000">
+                <a:alpha val="70000"/>
+              </a:srgbClr>
+            </a:outerShdw>
+          </a:effectLst>
+        </p:spPr>
+      </p:pic>
     </p:spTree>
   </p:cSld>
   <p:clrMapOvr>
@@ -7550,7 +7917,7 @@
   <a:extraClrSchemeLst/>
   <a:extLst>
     <a:ext uri="{05A4C25C-085E-4340-85A3-A5531E510DB2}">
-      <thm15:themeFamily xmlns="" xmlns:thm15="http://schemas.microsoft.com/office/thememl/2012/main" name="Office_36804475_TF22644756.potx" id="{F397E5FB-1475-4A2B-A118-C3E33793FB85}" vid="{9CC913D8-D7AD-4BF9-92C5-3F646CD0259E}"/>
+      <thm15:themeFamily xmlns:thm15="http://schemas.microsoft.com/office/thememl/2012/main" xmlns="" name="Office_36804475_TF22644756.potx" id="{F397E5FB-1475-4A2B-A118-C3E33793FB85}" vid="{9CC913D8-D7AD-4BF9-92C5-3F646CD0259E}"/>
     </a:ext>
   </a:extLst>
 </a:theme>

--- a/Dokumentace/SOČ prezentace.pptx
+++ b/Dokumentace/SOČ prezentace.pptx
@@ -199,7 +199,7 @@
             <a:fld id="{B46FDC96-AACE-4105-A078-52873064FFD3}" type="datetimeFigureOut">
               <a:rPr lang="cs-CZ" smtClean="0"/>
               <a:pPr/>
-              <a:t>06.04.2021</a:t>
+              <a:t>07.04.2021</a:t>
             </a:fld>
             <a:endParaRPr lang="cs-CZ"/>
           </a:p>
@@ -1142,7 +1142,7 @@
             <a:fld id="{3182EA2C-DE64-4899-9047-46BACF1514BA}" type="datetimeFigureOut">
               <a:rPr lang="cs-CZ" smtClean="0"/>
               <a:pPr/>
-              <a:t>06.04.2021</a:t>
+              <a:t>07.04.2021</a:t>
             </a:fld>
             <a:endParaRPr lang="cs-CZ"/>
           </a:p>
@@ -1437,7 +1437,7 @@
             <a:fld id="{3182EA2C-DE64-4899-9047-46BACF1514BA}" type="datetimeFigureOut">
               <a:rPr lang="cs-CZ" smtClean="0"/>
               <a:pPr/>
-              <a:t>06.04.2021</a:t>
+              <a:t>07.04.2021</a:t>
             </a:fld>
             <a:endParaRPr lang="cs-CZ"/>
           </a:p>
@@ -1683,7 +1683,7 @@
             <a:fld id="{3182EA2C-DE64-4899-9047-46BACF1514BA}" type="datetimeFigureOut">
               <a:rPr lang="cs-CZ" smtClean="0"/>
               <a:pPr/>
-              <a:t>06.04.2021</a:t>
+              <a:t>07.04.2021</a:t>
             </a:fld>
             <a:endParaRPr lang="cs-CZ"/>
           </a:p>
@@ -2221,7 +2221,7 @@
             <a:fld id="{3182EA2C-DE64-4899-9047-46BACF1514BA}" type="datetimeFigureOut">
               <a:rPr lang="cs-CZ" smtClean="0"/>
               <a:pPr/>
-              <a:t>06.04.2021</a:t>
+              <a:t>07.04.2021</a:t>
             </a:fld>
             <a:endParaRPr lang="cs-CZ"/>
           </a:p>
@@ -2467,7 +2467,7 @@
             <a:fld id="{3182EA2C-DE64-4899-9047-46BACF1514BA}" type="datetimeFigureOut">
               <a:rPr lang="cs-CZ" smtClean="0"/>
               <a:pPr/>
-              <a:t>06.04.2021</a:t>
+              <a:t>07.04.2021</a:t>
             </a:fld>
             <a:endParaRPr lang="cs-CZ"/>
           </a:p>
@@ -2997,7 +2997,7 @@
             <a:fld id="{3182EA2C-DE64-4899-9047-46BACF1514BA}" type="datetimeFigureOut">
               <a:rPr lang="cs-CZ" smtClean="0"/>
               <a:pPr/>
-              <a:t>06.04.2021</a:t>
+              <a:t>07.04.2021</a:t>
             </a:fld>
             <a:endParaRPr lang="cs-CZ"/>
           </a:p>
@@ -3291,7 +3291,7 @@
             <a:fld id="{3182EA2C-DE64-4899-9047-46BACF1514BA}" type="datetimeFigureOut">
               <a:rPr lang="cs-CZ" smtClean="0"/>
               <a:pPr/>
-              <a:t>06.04.2021</a:t>
+              <a:t>07.04.2021</a:t>
             </a:fld>
             <a:endParaRPr lang="cs-CZ"/>
           </a:p>
@@ -3463,7 +3463,7 @@
             <a:fld id="{3182EA2C-DE64-4899-9047-46BACF1514BA}" type="datetimeFigureOut">
               <a:rPr lang="cs-CZ" smtClean="0"/>
               <a:pPr/>
-              <a:t>06.04.2021</a:t>
+              <a:t>07.04.2021</a:t>
             </a:fld>
             <a:endParaRPr lang="cs-CZ"/>
           </a:p>
@@ -3641,7 +3641,7 @@
             <a:fld id="{3182EA2C-DE64-4899-9047-46BACF1514BA}" type="datetimeFigureOut">
               <a:rPr lang="cs-CZ" smtClean="0"/>
               <a:pPr/>
-              <a:t>06.04.2021</a:t>
+              <a:t>07.04.2021</a:t>
             </a:fld>
             <a:endParaRPr lang="cs-CZ"/>
           </a:p>
@@ -3809,7 +3809,7 @@
             <a:fld id="{3182EA2C-DE64-4899-9047-46BACF1514BA}" type="datetimeFigureOut">
               <a:rPr lang="cs-CZ" smtClean="0"/>
               <a:pPr/>
-              <a:t>06.04.2021</a:t>
+              <a:t>07.04.2021</a:t>
             </a:fld>
             <a:endParaRPr lang="cs-CZ"/>
           </a:p>
@@ -4058,7 +4058,7 @@
             <a:fld id="{3182EA2C-DE64-4899-9047-46BACF1514BA}" type="datetimeFigureOut">
               <a:rPr lang="cs-CZ" smtClean="0"/>
               <a:pPr/>
-              <a:t>06.04.2021</a:t>
+              <a:t>07.04.2021</a:t>
             </a:fld>
             <a:endParaRPr lang="cs-CZ"/>
           </a:p>
@@ -4353,7 +4353,7 @@
             <a:fld id="{3182EA2C-DE64-4899-9047-46BACF1514BA}" type="datetimeFigureOut">
               <a:rPr lang="cs-CZ" smtClean="0"/>
               <a:pPr/>
-              <a:t>06.04.2021</a:t>
+              <a:t>07.04.2021</a:t>
             </a:fld>
             <a:endParaRPr lang="cs-CZ"/>
           </a:p>
@@ -4793,7 +4793,7 @@
             <a:fld id="{3182EA2C-DE64-4899-9047-46BACF1514BA}" type="datetimeFigureOut">
               <a:rPr lang="cs-CZ" smtClean="0"/>
               <a:pPr/>
-              <a:t>06.04.2021</a:t>
+              <a:t>07.04.2021</a:t>
             </a:fld>
             <a:endParaRPr lang="cs-CZ"/>
           </a:p>
@@ -4909,7 +4909,7 @@
             <a:fld id="{3182EA2C-DE64-4899-9047-46BACF1514BA}" type="datetimeFigureOut">
               <a:rPr lang="cs-CZ" smtClean="0"/>
               <a:pPr/>
-              <a:t>06.04.2021</a:t>
+              <a:t>07.04.2021</a:t>
             </a:fld>
             <a:endParaRPr lang="cs-CZ"/>
           </a:p>
@@ -5001,7 +5001,7 @@
             <a:fld id="{3182EA2C-DE64-4899-9047-46BACF1514BA}" type="datetimeFigureOut">
               <a:rPr lang="cs-CZ" smtClean="0"/>
               <a:pPr/>
-              <a:t>06.04.2021</a:t>
+              <a:t>07.04.2021</a:t>
             </a:fld>
             <a:endParaRPr lang="cs-CZ"/>
           </a:p>
@@ -5282,7 +5282,7 @@
             <a:fld id="{3182EA2C-DE64-4899-9047-46BACF1514BA}" type="datetimeFigureOut">
               <a:rPr lang="cs-CZ" smtClean="0"/>
               <a:pPr/>
-              <a:t>06.04.2021</a:t>
+              <a:t>07.04.2021</a:t>
             </a:fld>
             <a:endParaRPr lang="cs-CZ"/>
           </a:p>
@@ -5572,7 +5572,7 @@
             <a:fld id="{3182EA2C-DE64-4899-9047-46BACF1514BA}" type="datetimeFigureOut">
               <a:rPr lang="cs-CZ" smtClean="0"/>
               <a:pPr/>
-              <a:t>06.04.2021</a:t>
+              <a:t>07.04.2021</a:t>
             </a:fld>
             <a:endParaRPr lang="cs-CZ"/>
           </a:p>
@@ -6098,7 +6098,7 @@
             <a:fld id="{3182EA2C-DE64-4899-9047-46BACF1514BA}" type="datetimeFigureOut">
               <a:rPr lang="cs-CZ" smtClean="0"/>
               <a:pPr/>
-              <a:t>06.04.2021</a:t>
+              <a:t>07.04.2021</a:t>
             </a:fld>
             <a:endParaRPr lang="cs-CZ"/>
           </a:p>
@@ -6665,9 +6665,15 @@
           <a:p>
             <a:r>
               <a:rPr lang="cs-CZ" dirty="0" smtClean="0"/>
-              <a:t>Tutoriál knihovny wxPython pro tvorbu GUI</a:t>
-            </a:r>
-            <a:endParaRPr lang="cs-CZ" dirty="0"/>
+              <a:t>Tutoriál knihovny wxPython pro tvorbu </a:t>
+            </a:r>
+            <a:r>
+              <a:rPr lang="cs-CZ" dirty="0" smtClean="0"/>
+              <a:t>GUI</a:t>
+            </a:r>
+          </a:p>
+          <a:p>
+            <a:endParaRPr lang="cs-CZ" dirty="0" smtClean="0"/>
           </a:p>
         </p:txBody>
       </p:sp>
@@ -6776,6 +6782,41 @@
               <a:latin typeface="Arial" pitchFamily="34" charset="0"/>
               <a:cs typeface="Arial" pitchFamily="34" charset="0"/>
             </a:endParaRPr>
+          </a:p>
+        </p:txBody>
+      </p:sp>
+      <p:sp>
+        <p:nvSpPr>
+          <p:cNvPr id="5" name="TextovéPole 4"/>
+          <p:cNvSpPr txBox="1"/>
+          <p:nvPr/>
+        </p:nvSpPr>
+        <p:spPr>
+          <a:xfrm>
+            <a:off x="4929190" y="5715016"/>
+            <a:ext cx="4214810" cy="692497"/>
+          </a:xfrm>
+          <a:prstGeom prst="rect">
+            <a:avLst/>
+          </a:prstGeom>
+          <a:noFill/>
+        </p:spPr>
+        <p:txBody>
+          <a:bodyPr wrap="square" rtlCol="0">
+            <a:spAutoFit/>
+          </a:bodyPr>
+          <a:lstStyle/>
+          <a:p>
+            <a:r>
+              <a:rPr lang="cs-CZ" sz="2100" dirty="0" smtClean="0">
+                <a:latin typeface="Arial" pitchFamily="34" charset="0"/>
+                <a:cs typeface="Arial" pitchFamily="34" charset="0"/>
+              </a:rPr>
+              <a:t>Vedoucí práce: Ing. Marek Nožka</a:t>
+            </a:r>
+          </a:p>
+          <a:p>
+            <a:endParaRPr lang="cs-CZ" dirty="0"/>
           </a:p>
         </p:txBody>
       </p:sp>
@@ -7063,113 +7104,8 @@
         </p:blipFill>
         <p:spPr bwMode="auto">
           <a:xfrm>
-            <a:off x="357158" y="1857364"/>
-            <a:ext cx="4571746" cy="3500462"/>
-          </a:xfrm>
-          <a:prstGeom prst="rect">
-            <a:avLst/>
-          </a:prstGeom>
-          <a:ln>
-            <a:noFill/>
-          </a:ln>
-          <a:effectLst>
-            <a:outerShdw blurRad="190500" algn="tl" rotWithShape="0">
-              <a:srgbClr val="000000">
-                <a:alpha val="70000"/>
-              </a:srgbClr>
-            </a:outerShdw>
-          </a:effectLst>
-        </p:spPr>
-      </p:pic>
-      <p:pic>
-        <p:nvPicPr>
-          <p:cNvPr id="1027" name="Picture 3"/>
-          <p:cNvPicPr>
-            <a:picLocks noChangeAspect="1" noChangeArrowheads="1"/>
-          </p:cNvPicPr>
-          <p:nvPr/>
-        </p:nvPicPr>
-        <p:blipFill>
-          <a:blip r:embed="rId4"/>
-          <a:srcRect/>
-          <a:stretch>
-            <a:fillRect/>
-          </a:stretch>
-        </p:blipFill>
-        <p:spPr bwMode="auto">
-          <a:xfrm>
-            <a:off x="5000628" y="2143116"/>
-            <a:ext cx="3929058" cy="2713977"/>
-          </a:xfrm>
-          <a:prstGeom prst="rect">
-            <a:avLst/>
-          </a:prstGeom>
-          <a:ln>
-            <a:noFill/>
-          </a:ln>
-          <a:effectLst>
-            <a:outerShdw blurRad="190500" algn="tl" rotWithShape="0">
-              <a:srgbClr val="000000">
-                <a:alpha val="70000"/>
-              </a:srgbClr>
-            </a:outerShdw>
-          </a:effectLst>
-        </p:spPr>
-      </p:pic>
-      <p:pic>
-        <p:nvPicPr>
-          <p:cNvPr id="1028" name="Picture 4"/>
-          <p:cNvPicPr>
-            <a:picLocks noChangeAspect="1" noChangeArrowheads="1"/>
-          </p:cNvPicPr>
-          <p:nvPr/>
-        </p:nvPicPr>
-        <p:blipFill>
-          <a:blip r:embed="rId5"/>
-          <a:srcRect/>
-          <a:stretch>
-            <a:fillRect/>
-          </a:stretch>
-        </p:blipFill>
-        <p:spPr bwMode="auto">
-          <a:xfrm>
-            <a:off x="7072330" y="5286388"/>
-            <a:ext cx="1857388" cy="1169289"/>
-          </a:xfrm>
-          <a:prstGeom prst="rect">
-            <a:avLst/>
-          </a:prstGeom>
-          <a:ln>
-            <a:noFill/>
-          </a:ln>
-          <a:effectLst>
-            <a:outerShdw blurRad="190500" algn="tl" rotWithShape="0">
-              <a:srgbClr val="000000">
-                <a:alpha val="70000"/>
-              </a:srgbClr>
-            </a:outerShdw>
-          </a:effectLst>
-        </p:spPr>
-      </p:pic>
-      <p:pic>
-        <p:nvPicPr>
-          <p:cNvPr id="1029" name="Picture 5"/>
-          <p:cNvPicPr>
-            <a:picLocks noChangeAspect="1" noChangeArrowheads="1"/>
-          </p:cNvPicPr>
-          <p:nvPr/>
-        </p:nvPicPr>
-        <p:blipFill>
-          <a:blip r:embed="rId6"/>
-          <a:srcRect/>
-          <a:stretch>
-            <a:fillRect/>
-          </a:stretch>
-        </p:blipFill>
-        <p:spPr bwMode="auto">
-          <a:xfrm>
-            <a:off x="5143504" y="5286388"/>
-            <a:ext cx="1857388" cy="1169288"/>
+            <a:off x="1714480" y="2143116"/>
+            <a:ext cx="5572164" cy="4266455"/>
           </a:xfrm>
           <a:prstGeom prst="rect">
             <a:avLst/>
@@ -7191,6 +7127,13 @@
   <p:clrMapOvr>
     <a:masterClrMapping/>
   </p:clrMapOvr>
+  <p:timing>
+    <p:tnLst>
+      <p:par>
+        <p:cTn id="1" dur="indefinite" restart="never" nodeType="tmRoot"/>
+      </p:par>
+    </p:tnLst>
+  </p:timing>
 </p:sld>
 </file>
 
@@ -7300,6 +7243,13 @@
   <p:clrMapOvr>
     <a:masterClrMapping/>
   </p:clrMapOvr>
+  <p:timing>
+    <p:tnLst>
+      <p:par>
+        <p:cTn id="1" dur="indefinite" restart="never" nodeType="tmRoot"/>
+      </p:par>
+    </p:tnLst>
+  </p:timing>
 </p:sld>
 </file>
 
@@ -7470,6 +7420,13 @@
   <p:clrMapOvr>
     <a:masterClrMapping/>
   </p:clrMapOvr>
+  <p:timing>
+    <p:tnLst>
+      <p:par>
+        <p:cTn id="1" dur="indefinite" restart="never" nodeType="tmRoot"/>
+      </p:par>
+    </p:tnLst>
+  </p:timing>
 </p:sld>
 </file>
 
@@ -7580,6 +7537,13 @@
   <p:clrMapOvr>
     <a:masterClrMapping/>
   </p:clrMapOvr>
+  <p:timing>
+    <p:tnLst>
+      <p:par>
+        <p:cTn id="1" dur="indefinite" restart="never" nodeType="tmRoot"/>
+      </p:par>
+    </p:tnLst>
+  </p:timing>
 </p:sld>
 </file>
 
@@ -7664,6 +7628,13 @@
   <p:clrMapOvr>
     <a:masterClrMapping/>
   </p:clrMapOvr>
+  <p:timing>
+    <p:tnLst>
+      <p:par>
+        <p:cTn id="1" dur="indefinite" restart="never" nodeType="tmRoot"/>
+      </p:par>
+    </p:tnLst>
+  </p:timing>
 </p:sld>
 </file>
 
@@ -7917,7 +7888,7 @@
   <a:extraClrSchemeLst/>
   <a:extLst>
     <a:ext uri="{05A4C25C-085E-4340-85A3-A5531E510DB2}">
-      <thm15:themeFamily xmlns:thm15="http://schemas.microsoft.com/office/thememl/2012/main" xmlns="" name="Office_36804475_TF22644756.potx" id="{F397E5FB-1475-4A2B-A118-C3E33793FB85}" vid="{9CC913D8-D7AD-4BF9-92C5-3F646CD0259E}"/>
+      <thm15:themeFamily xmlns="" xmlns:thm15="http://schemas.microsoft.com/office/thememl/2012/main" name="Office_36804475_TF22644756.potx" id="{F397E5FB-1475-4A2B-A118-C3E33793FB85}" vid="{9CC913D8-D7AD-4BF9-92C5-3F646CD0259E}"/>
     </a:ext>
   </a:extLst>
 </a:theme>
